--- a/hirakawa/20191223/ResNet等整理.pptx
+++ b/hirakawa/20191223/ResNet等整理.pptx
@@ -268,7 +268,7 @@
           <a:p>
             <a:fld id="{F77BDFAA-17FF-41C8-A06A-D48A56294A73}" type="datetimeFigureOut">
               <a:rPr kumimoji="1" lang="ja-JP" altLang="en-US" smtClean="0"/>
-              <a:t>2019/12/22</a:t>
+              <a:t>2019/12/23</a:t>
             </a:fld>
             <a:endParaRPr kumimoji="1" lang="ja-JP" altLang="en-US"/>
           </a:p>
@@ -470,7 +470,7 @@
           <a:p>
             <a:fld id="{F77BDFAA-17FF-41C8-A06A-D48A56294A73}" type="datetimeFigureOut">
               <a:rPr kumimoji="1" lang="ja-JP" altLang="en-US" smtClean="0"/>
-              <a:t>2019/12/22</a:t>
+              <a:t>2019/12/23</a:t>
             </a:fld>
             <a:endParaRPr kumimoji="1" lang="ja-JP" altLang="en-US"/>
           </a:p>
@@ -682,7 +682,7 @@
           <a:p>
             <a:fld id="{F77BDFAA-17FF-41C8-A06A-D48A56294A73}" type="datetimeFigureOut">
               <a:rPr kumimoji="1" lang="ja-JP" altLang="en-US" smtClean="0"/>
-              <a:t>2019/12/22</a:t>
+              <a:t>2019/12/23</a:t>
             </a:fld>
             <a:endParaRPr kumimoji="1" lang="ja-JP" altLang="en-US"/>
           </a:p>
@@ -884,7 +884,7 @@
           <a:p>
             <a:fld id="{F77BDFAA-17FF-41C8-A06A-D48A56294A73}" type="datetimeFigureOut">
               <a:rPr kumimoji="1" lang="ja-JP" altLang="en-US" smtClean="0"/>
-              <a:t>2019/12/22</a:t>
+              <a:t>2019/12/23</a:t>
             </a:fld>
             <a:endParaRPr kumimoji="1" lang="ja-JP" altLang="en-US"/>
           </a:p>
@@ -1130,7 +1130,7 @@
           <a:p>
             <a:fld id="{F77BDFAA-17FF-41C8-A06A-D48A56294A73}" type="datetimeFigureOut">
               <a:rPr kumimoji="1" lang="ja-JP" altLang="en-US" smtClean="0"/>
-              <a:t>2019/12/22</a:t>
+              <a:t>2019/12/23</a:t>
             </a:fld>
             <a:endParaRPr kumimoji="1" lang="ja-JP" altLang="en-US"/>
           </a:p>
@@ -1426,7 +1426,7 @@
           <a:p>
             <a:fld id="{F77BDFAA-17FF-41C8-A06A-D48A56294A73}" type="datetimeFigureOut">
               <a:rPr kumimoji="1" lang="ja-JP" altLang="en-US" smtClean="0"/>
-              <a:t>2019/12/22</a:t>
+              <a:t>2019/12/23</a:t>
             </a:fld>
             <a:endParaRPr kumimoji="1" lang="ja-JP" altLang="en-US"/>
           </a:p>
@@ -1857,7 +1857,7 @@
           <a:p>
             <a:fld id="{F77BDFAA-17FF-41C8-A06A-D48A56294A73}" type="datetimeFigureOut">
               <a:rPr kumimoji="1" lang="ja-JP" altLang="en-US" smtClean="0"/>
-              <a:t>2019/12/22</a:t>
+              <a:t>2019/12/23</a:t>
             </a:fld>
             <a:endParaRPr kumimoji="1" lang="ja-JP" altLang="en-US"/>
           </a:p>
@@ -1975,7 +1975,7 @@
           <a:p>
             <a:fld id="{F77BDFAA-17FF-41C8-A06A-D48A56294A73}" type="datetimeFigureOut">
               <a:rPr kumimoji="1" lang="ja-JP" altLang="en-US" smtClean="0"/>
-              <a:t>2019/12/22</a:t>
+              <a:t>2019/12/23</a:t>
             </a:fld>
             <a:endParaRPr kumimoji="1" lang="ja-JP" altLang="en-US"/>
           </a:p>
@@ -2070,7 +2070,7 @@
           <a:p>
             <a:fld id="{F77BDFAA-17FF-41C8-A06A-D48A56294A73}" type="datetimeFigureOut">
               <a:rPr kumimoji="1" lang="ja-JP" altLang="en-US" smtClean="0"/>
-              <a:t>2019/12/22</a:t>
+              <a:t>2019/12/23</a:t>
             </a:fld>
             <a:endParaRPr kumimoji="1" lang="ja-JP" altLang="en-US"/>
           </a:p>
@@ -2379,7 +2379,7 @@
           <a:p>
             <a:fld id="{F77BDFAA-17FF-41C8-A06A-D48A56294A73}" type="datetimeFigureOut">
               <a:rPr kumimoji="1" lang="ja-JP" altLang="en-US" smtClean="0"/>
-              <a:t>2019/12/22</a:t>
+              <a:t>2019/12/23</a:t>
             </a:fld>
             <a:endParaRPr kumimoji="1" lang="ja-JP" altLang="en-US"/>
           </a:p>
@@ -2632,7 +2632,7 @@
           <a:p>
             <a:fld id="{F77BDFAA-17FF-41C8-A06A-D48A56294A73}" type="datetimeFigureOut">
               <a:rPr kumimoji="1" lang="ja-JP" altLang="en-US" smtClean="0"/>
-              <a:t>2019/12/22</a:t>
+              <a:t>2019/12/23</a:t>
             </a:fld>
             <a:endParaRPr kumimoji="1" lang="ja-JP" altLang="en-US"/>
           </a:p>
@@ -2877,7 +2877,7 @@
           <a:p>
             <a:fld id="{F77BDFAA-17FF-41C8-A06A-D48A56294A73}" type="datetimeFigureOut">
               <a:rPr kumimoji="1" lang="ja-JP" altLang="en-US" smtClean="0"/>
-              <a:t>2019/12/22</a:t>
+              <a:t>2019/12/23</a:t>
             </a:fld>
             <a:endParaRPr kumimoji="1" lang="ja-JP" altLang="en-US"/>
           </a:p>
@@ -5084,8 +5084,8 @@
         </p:blipFill>
         <p:spPr>
           <a:xfrm>
-            <a:off x="1036487" y="607970"/>
-            <a:ext cx="10119025" cy="5672786"/>
+            <a:off x="838200" y="401809"/>
+            <a:ext cx="10486772" cy="5878947"/>
           </a:xfrm>
           <a:prstGeom prst="rect">
             <a:avLst/>
@@ -5270,11 +5270,11 @@
   <p:clrMapOvr>
     <a:masterClrMapping/>
   </p:clrMapOvr>
-  <mc:AlternateContent xmlns:mc="http://schemas.openxmlformats.org/markup-compatibility/2006">
-    <mc:Choice xmlns:p14="http://schemas.microsoft.com/office/powerpoint/2010/main" Requires="p14">
+  <mc:AlternateContent xmlns:mc="http://schemas.openxmlformats.org/markup-compatibility/2006" xmlns:p14="http://schemas.microsoft.com/office/powerpoint/2010/main">
+    <mc:Choice Requires="p14">
       <p:transition spd="slow" p14:dur="2000"/>
     </mc:Choice>
-    <mc:Fallback>
+    <mc:Fallback xmlns="">
       <p:transition spd="slow"/>
     </mc:Fallback>
   </mc:AlternateContent>
@@ -5371,11 +5371,11 @@
   <p:clrMapOvr>
     <a:masterClrMapping/>
   </p:clrMapOvr>
-  <mc:AlternateContent xmlns:mc="http://schemas.openxmlformats.org/markup-compatibility/2006">
-    <mc:Choice xmlns:p14="http://schemas.microsoft.com/office/powerpoint/2010/main" Requires="p14">
+  <mc:AlternateContent xmlns:mc="http://schemas.openxmlformats.org/markup-compatibility/2006" xmlns:p14="http://schemas.microsoft.com/office/powerpoint/2010/main">
+    <mc:Choice Requires="p14">
       <p:transition spd="slow" p14:dur="2000"/>
     </mc:Choice>
-    <mc:Fallback>
+    <mc:Fallback xmlns="">
       <p:transition spd="slow"/>
     </mc:Fallback>
   </mc:AlternateContent>
@@ -5486,11 +5486,11 @@
   <p:clrMapOvr>
     <a:masterClrMapping/>
   </p:clrMapOvr>
-  <mc:AlternateContent xmlns:mc="http://schemas.openxmlformats.org/markup-compatibility/2006">
-    <mc:Choice xmlns:p14="http://schemas.microsoft.com/office/powerpoint/2010/main" Requires="p14">
+  <mc:AlternateContent xmlns:mc="http://schemas.openxmlformats.org/markup-compatibility/2006" xmlns:p14="http://schemas.microsoft.com/office/powerpoint/2010/main">
+    <mc:Choice Requires="p14">
       <p:transition spd="slow" p14:dur="2000"/>
     </mc:Choice>
-    <mc:Fallback>
+    <mc:Fallback xmlns="">
       <p:transition spd="slow"/>
     </mc:Fallback>
   </mc:AlternateContent>
@@ -5587,11 +5587,11 @@
   <p:clrMapOvr>
     <a:masterClrMapping/>
   </p:clrMapOvr>
-  <mc:AlternateContent xmlns:mc="http://schemas.openxmlformats.org/markup-compatibility/2006">
-    <mc:Choice xmlns:p14="http://schemas.microsoft.com/office/powerpoint/2010/main" Requires="p14">
+  <mc:AlternateContent xmlns:mc="http://schemas.openxmlformats.org/markup-compatibility/2006" xmlns:p14="http://schemas.microsoft.com/office/powerpoint/2010/main">
+    <mc:Choice Requires="p14">
       <p:transition spd="slow" p14:dur="2000"/>
     </mc:Choice>
-    <mc:Fallback>
+    <mc:Fallback xmlns="">
       <p:transition spd="slow"/>
     </mc:Fallback>
   </mc:AlternateContent>
@@ -5688,11 +5688,11 @@
   <p:clrMapOvr>
     <a:masterClrMapping/>
   </p:clrMapOvr>
-  <mc:AlternateContent xmlns:mc="http://schemas.openxmlformats.org/markup-compatibility/2006">
-    <mc:Choice xmlns:p14="http://schemas.microsoft.com/office/powerpoint/2010/main" Requires="p14">
+  <mc:AlternateContent xmlns:mc="http://schemas.openxmlformats.org/markup-compatibility/2006" xmlns:p14="http://schemas.microsoft.com/office/powerpoint/2010/main">
+    <mc:Choice Requires="p14">
       <p:transition spd="slow" p14:dur="2000"/>
     </mc:Choice>
-    <mc:Fallback>
+    <mc:Fallback xmlns="">
       <p:transition spd="slow"/>
     </mc:Fallback>
   </mc:AlternateContent>
@@ -7869,11 +7869,18 @@
           <a:lstStyle/>
           <a:p>
             <a:r>
+              <a:rPr lang="ja-JP" altLang="en-US" strike="sngStrike" dirty="0">
+                <a:latin typeface="Meiryo UI" panose="020B0604030504040204" pitchFamily="50" charset="-128"/>
+                <a:ea typeface="Meiryo UI" panose="020B0604030504040204" pitchFamily="50" charset="-128"/>
+              </a:rPr>
+              <a:t>勾配消失の対策</a:t>
+            </a:r>
+            <a:r>
               <a:rPr lang="ja-JP" altLang="en-US" dirty="0">
                 <a:latin typeface="Meiryo UI" panose="020B0604030504040204" pitchFamily="50" charset="-128"/>
                 <a:ea typeface="Meiryo UI" panose="020B0604030504040204" pitchFamily="50" charset="-128"/>
               </a:rPr>
-              <a:t>勾配消失の対策としてよく上げられているのは</a:t>
+              <a:t>としてよく上げられているのは</a:t>
             </a:r>
             <a:r>
               <a:rPr lang="en-US" altLang="ja-JP" dirty="0" err="1" smtClean="0">
@@ -8051,8 +8058,8 @@
         </p:blipFill>
         <p:spPr>
           <a:xfrm>
-            <a:off x="1402598" y="681542"/>
-            <a:ext cx="9348389" cy="5495421"/>
+            <a:off x="887620" y="365125"/>
+            <a:ext cx="10416760" cy="6123460"/>
           </a:xfrm>
           <a:prstGeom prst="rect">
             <a:avLst/>
@@ -8211,14 +8218,21 @@
                 <a:latin typeface="Meiryo UI" panose="020B0604030504040204" pitchFamily="50" charset="-128"/>
                 <a:ea typeface="Meiryo UI" panose="020B0604030504040204" pitchFamily="50" charset="-128"/>
               </a:rPr>
-              <a:t>したことに</a:t>
+              <a:t>した</a:t>
             </a:r>
             <a:r>
               <a:rPr lang="ja-JP" altLang="en-US" sz="2400" dirty="0" smtClean="0">
                 <a:latin typeface="Meiryo UI" panose="020B0604030504040204" pitchFamily="50" charset="-128"/>
                 <a:ea typeface="Meiryo UI" panose="020B0604030504040204" pitchFamily="50" charset="-128"/>
               </a:rPr>
-              <a:t>ある。</a:t>
+              <a:t>ことがある</a:t>
+            </a:r>
+            <a:r>
+              <a:rPr lang="ja-JP" altLang="en-US" sz="2400" dirty="0" smtClean="0">
+                <a:latin typeface="Meiryo UI" panose="020B0604030504040204" pitchFamily="50" charset="-128"/>
+                <a:ea typeface="Meiryo UI" panose="020B0604030504040204" pitchFamily="50" charset="-128"/>
+              </a:rPr>
+              <a:t>。</a:t>
             </a:r>
             <a:endParaRPr lang="en-US" altLang="ja-JP" sz="2400" dirty="0" smtClean="0">
               <a:latin typeface="Meiryo UI" panose="020B0604030504040204" pitchFamily="50" charset="-128"/>
@@ -8589,10 +8603,6 @@
               </a:rPr>
               <a:t>として抽出する。</a:t>
             </a:r>
-            <a:endParaRPr lang="ja-JP" altLang="en-US" sz="2400" dirty="0">
-              <a:latin typeface="Meiryo UI" panose="020B0604030504040204" pitchFamily="50" charset="-128"/>
-              <a:ea typeface="Meiryo UI" panose="020B0604030504040204" pitchFamily="50" charset="-128"/>
-            </a:endParaRPr>
           </a:p>
         </p:txBody>
       </p:sp>
@@ -10471,33 +10481,19 @@
             </a:endParaRPr>
           </a:p>
           <a:p>
-            <a:pPr lvl="1"/>
-            <a:r>
-              <a:rPr lang="ja-JP" altLang="en-US" sz="1900" dirty="0" smtClean="0">
-                <a:latin typeface="Meiryo UI" panose="020B0604030504040204" pitchFamily="50" charset="-128"/>
-                <a:ea typeface="Meiryo UI" panose="020B0604030504040204" pitchFamily="50" charset="-128"/>
-              </a:rPr>
-              <a:t>これにより勾配</a:t>
-            </a:r>
-            <a:r>
-              <a:rPr lang="ja-JP" altLang="en-US" sz="1900" dirty="0">
-                <a:latin typeface="Meiryo UI" panose="020B0604030504040204" pitchFamily="50" charset="-128"/>
-                <a:ea typeface="Meiryo UI" panose="020B0604030504040204" pitchFamily="50" charset="-128"/>
-              </a:rPr>
-              <a:t>消失問題を解決</a:t>
-            </a:r>
-            <a:endParaRPr lang="en-US" altLang="ja-JP" sz="1900" dirty="0" smtClean="0">
-              <a:latin typeface="Meiryo UI" panose="020B0604030504040204" pitchFamily="50" charset="-128"/>
-              <a:ea typeface="Meiryo UI" panose="020B0604030504040204" pitchFamily="50" charset="-128"/>
-            </a:endParaRPr>
-          </a:p>
-          <a:p>
             <a:r>
               <a:rPr kumimoji="1" lang="en-US" altLang="ja-JP" sz="2100" dirty="0" smtClean="0">
                 <a:latin typeface="Meiryo UI" panose="020B0604030504040204" pitchFamily="50" charset="-128"/>
                 <a:ea typeface="Meiryo UI" panose="020B0604030504040204" pitchFamily="50" charset="-128"/>
               </a:rPr>
-              <a:t>Batch normalization</a:t>
+              <a:t>Batch </a:t>
+            </a:r>
+            <a:r>
+              <a:rPr kumimoji="1" lang="en-US" altLang="ja-JP" sz="2100" dirty="0" smtClean="0">
+                <a:latin typeface="Meiryo UI" panose="020B0604030504040204" pitchFamily="50" charset="-128"/>
+                <a:ea typeface="Meiryo UI" panose="020B0604030504040204" pitchFamily="50" charset="-128"/>
+              </a:rPr>
+              <a:t>normalization</a:t>
             </a:r>
             <a:r>
               <a:rPr kumimoji="1" lang="ja-JP" altLang="en-US" sz="2100" dirty="0" smtClean="0">
@@ -10729,8 +10725,8 @@
         </p:nvSpPr>
         <p:spPr>
           <a:xfrm>
-            <a:off x="8828690" y="1686910"/>
-            <a:ext cx="3105807" cy="689474"/>
+            <a:off x="8939284" y="1686910"/>
+            <a:ext cx="2995213" cy="689474"/>
           </a:xfrm>
           <a:prstGeom prst="roundRect">
             <a:avLst/>
@@ -10758,20 +10754,20 @@
           <a:p>
             <a:pPr algn="ctr"/>
             <a:r>
-              <a:rPr lang="ja-JP" altLang="en-US" dirty="0">
+              <a:rPr lang="ja-JP" altLang="en-US" sz="1600" dirty="0">
                 <a:latin typeface="Meiryo UI" panose="020B0604030504040204" pitchFamily="50" charset="-128"/>
                 <a:ea typeface="Meiryo UI" panose="020B0604030504040204" pitchFamily="50" charset="-128"/>
               </a:rPr>
               <a:t>勾配消失</a:t>
             </a:r>
             <a:r>
-              <a:rPr lang="ja-JP" altLang="en-US" dirty="0" smtClean="0">
+              <a:rPr lang="ja-JP" altLang="en-US" sz="1600" dirty="0" smtClean="0">
                 <a:latin typeface="Meiryo UI" panose="020B0604030504040204" pitchFamily="50" charset="-128"/>
                 <a:ea typeface="Meiryo UI" panose="020B0604030504040204" pitchFamily="50" charset="-128"/>
               </a:rPr>
               <a:t>問題を解消したという間違った情報が至る所に・・</a:t>
             </a:r>
-            <a:endParaRPr lang="en-US" altLang="ja-JP" dirty="0" smtClean="0">
+            <a:endParaRPr lang="en-US" altLang="ja-JP" sz="1600" dirty="0" smtClean="0">
               <a:latin typeface="Meiryo UI" panose="020B0604030504040204" pitchFamily="50" charset="-128"/>
               <a:ea typeface="Meiryo UI" panose="020B0604030504040204" pitchFamily="50" charset="-128"/>
             </a:endParaRPr>
